--- a/ppt.pptx
+++ b/ppt.pptx
@@ -260,7 +260,7 @@
           <a:p>
             <a:fld id="{F446B188-79CB-43A3-8464-4E1B6475358F}" type="datetimeFigureOut">
               <a:rPr lang="en-US" smtClean="0"/>
-              <a:t>1/20/2024</a:t>
+              <a:t>3/17/2024</a:t>
             </a:fld>
             <a:endParaRPr lang="en-US"/>
           </a:p>
@@ -458,7 +458,7 @@
           <a:p>
             <a:fld id="{F446B188-79CB-43A3-8464-4E1B6475358F}" type="datetimeFigureOut">
               <a:rPr lang="en-US" smtClean="0"/>
-              <a:t>1/20/2024</a:t>
+              <a:t>3/17/2024</a:t>
             </a:fld>
             <a:endParaRPr lang="en-US"/>
           </a:p>
@@ -666,7 +666,7 @@
           <a:p>
             <a:fld id="{F446B188-79CB-43A3-8464-4E1B6475358F}" type="datetimeFigureOut">
               <a:rPr lang="en-US" smtClean="0"/>
-              <a:t>1/20/2024</a:t>
+              <a:t>3/17/2024</a:t>
             </a:fld>
             <a:endParaRPr lang="en-US"/>
           </a:p>
@@ -864,7 +864,7 @@
           <a:p>
             <a:fld id="{F446B188-79CB-43A3-8464-4E1B6475358F}" type="datetimeFigureOut">
               <a:rPr lang="en-US" smtClean="0"/>
-              <a:t>1/20/2024</a:t>
+              <a:t>3/17/2024</a:t>
             </a:fld>
             <a:endParaRPr lang="en-US"/>
           </a:p>
@@ -1139,7 +1139,7 @@
           <a:p>
             <a:fld id="{F446B188-79CB-43A3-8464-4E1B6475358F}" type="datetimeFigureOut">
               <a:rPr lang="en-US" smtClean="0"/>
-              <a:t>1/20/2024</a:t>
+              <a:t>3/17/2024</a:t>
             </a:fld>
             <a:endParaRPr lang="en-US"/>
           </a:p>
@@ -1404,7 +1404,7 @@
           <a:p>
             <a:fld id="{F446B188-79CB-43A3-8464-4E1B6475358F}" type="datetimeFigureOut">
               <a:rPr lang="en-US" smtClean="0"/>
-              <a:t>1/20/2024</a:t>
+              <a:t>3/17/2024</a:t>
             </a:fld>
             <a:endParaRPr lang="en-US"/>
           </a:p>
@@ -1816,7 +1816,7 @@
           <a:p>
             <a:fld id="{F446B188-79CB-43A3-8464-4E1B6475358F}" type="datetimeFigureOut">
               <a:rPr lang="en-US" smtClean="0"/>
-              <a:t>1/20/2024</a:t>
+              <a:t>3/17/2024</a:t>
             </a:fld>
             <a:endParaRPr lang="en-US"/>
           </a:p>
@@ -1957,7 +1957,7 @@
           <a:p>
             <a:fld id="{F446B188-79CB-43A3-8464-4E1B6475358F}" type="datetimeFigureOut">
               <a:rPr lang="en-US" smtClean="0"/>
-              <a:t>1/20/2024</a:t>
+              <a:t>3/17/2024</a:t>
             </a:fld>
             <a:endParaRPr lang="en-US"/>
           </a:p>
@@ -2070,7 +2070,7 @@
           <a:p>
             <a:fld id="{F446B188-79CB-43A3-8464-4E1B6475358F}" type="datetimeFigureOut">
               <a:rPr lang="en-US" smtClean="0"/>
-              <a:t>1/20/2024</a:t>
+              <a:t>3/17/2024</a:t>
             </a:fld>
             <a:endParaRPr lang="en-US"/>
           </a:p>
@@ -2381,7 +2381,7 @@
           <a:p>
             <a:fld id="{F446B188-79CB-43A3-8464-4E1B6475358F}" type="datetimeFigureOut">
               <a:rPr lang="en-US" smtClean="0"/>
-              <a:t>1/20/2024</a:t>
+              <a:t>3/17/2024</a:t>
             </a:fld>
             <a:endParaRPr lang="en-US"/>
           </a:p>
@@ -2669,7 +2669,7 @@
           <a:p>
             <a:fld id="{F446B188-79CB-43A3-8464-4E1B6475358F}" type="datetimeFigureOut">
               <a:rPr lang="en-US" smtClean="0"/>
-              <a:t>1/20/2024</a:t>
+              <a:t>3/17/2024</a:t>
             </a:fld>
             <a:endParaRPr lang="en-US"/>
           </a:p>
@@ -2910,7 +2910,7 @@
           <a:p>
             <a:fld id="{F446B188-79CB-43A3-8464-4E1B6475358F}" type="datetimeFigureOut">
               <a:rPr lang="en-US" smtClean="0"/>
-              <a:t>1/20/2024</a:t>
+              <a:t>3/17/2024</a:t>
             </a:fld>
             <a:endParaRPr lang="en-US"/>
           </a:p>
@@ -4923,7 +4923,7 @@
         </p:nvSpPr>
         <p:spPr>
           <a:xfrm>
-            <a:off x="4666085" y="3174677"/>
+            <a:off x="2321789" y="3203210"/>
             <a:ext cx="711605" cy="307777"/>
           </a:xfrm>
           <a:prstGeom prst="rect">
@@ -7262,8 +7262,8 @@
         </p:nvCxnSpPr>
         <p:spPr>
           <a:xfrm flipV="1">
-            <a:off x="4087221" y="3188426"/>
-            <a:ext cx="3053749" cy="136843"/>
+            <a:off x="4087221" y="762966"/>
+            <a:ext cx="1904279" cy="2562304"/>
           </a:xfrm>
           <a:prstGeom prst="line">
             <a:avLst/>
